--- a/Artikulační body a mosty.pptx
+++ b/Artikulační body a mosty.pptx
@@ -4064,8 +4064,43 @@
           <a:lstStyle/>
           <a:p>
             <a:r>
+              <a:rPr lang="en-US" altLang="cs-CZ" sz="4400" dirty="0" err="1"/>
+              <a:t>Demonstrace</a:t>
+            </a:r>
+            <a:r>
+              <a:rPr lang="en-US" altLang="cs-CZ" sz="4400" dirty="0"/>
+              <a:t>  </a:t>
+            </a:r>
+            <a:br>
               <a:rPr lang="cs-CZ" altLang="cs-CZ" sz="4400" dirty="0"/>
-              <a:t>Artikulační body a mosty</a:t>
+            </a:br>
+            <a:r>
+              <a:rPr lang="cs-CZ" altLang="cs-CZ" sz="4400" dirty="0"/>
+              <a:t>a</a:t>
+            </a:r>
+            <a:r>
+              <a:rPr lang="en-US" altLang="cs-CZ" sz="4400" dirty="0" err="1"/>
+              <a:t>rtikulační</a:t>
+            </a:r>
+            <a:r>
+              <a:rPr lang="cs-CZ" altLang="cs-CZ" sz="4400" dirty="0"/>
+              <a:t>ch</a:t>
+            </a:r>
+            <a:r>
+              <a:rPr lang="en-US" altLang="cs-CZ" sz="4400" dirty="0"/>
+              <a:t> bod</a:t>
+            </a:r>
+            <a:r>
+              <a:rPr lang="cs-CZ" altLang="cs-CZ" sz="4400" dirty="0"/>
+              <a:t>ů</a:t>
+            </a:r>
+            <a:r>
+              <a:rPr lang="en-US" altLang="cs-CZ" sz="4400" dirty="0"/>
+              <a:t> a most</a:t>
+            </a:r>
+            <a:r>
+              <a:rPr lang="cs-CZ" altLang="cs-CZ" sz="4400" dirty="0"/>
+              <a:t>ů</a:t>
             </a:r>
           </a:p>
         </p:txBody>
@@ -4147,48 +4182,18 @@
       </p:grpSpPr>
       <p:sp>
         <p:nvSpPr>
-          <p:cNvPr id="1031" name="Text Placeholder 1">
-            <a:extLst>
-              <a:ext uri="{FF2B5EF4-FFF2-40B4-BE49-F238E27FC236}">
-                <a16:creationId xmlns:a16="http://schemas.microsoft.com/office/drawing/2014/main" id="{F13C898B-0AE5-B2E0-E36C-0E18750E1D59}"/>
-              </a:ext>
-            </a:extLst>
-          </p:cNvPr>
+          <p:cNvPr id="3" name="Zástupný symbol pro obsah 2"/>
           <p:cNvSpPr>
             <a:spLocks noGrp="1"/>
           </p:cNvSpPr>
           <p:nvPr>
-            <p:ph type="body" idx="1"/>
+            <p:ph sz="half" idx="2"/>
           </p:nvPr>
         </p:nvSpPr>
         <p:spPr>
           <a:xfrm>
-            <a:off x="609600" y="1535113"/>
-            <a:ext cx="5386917" cy="639762"/>
-          </a:xfrm>
-        </p:spPr>
-        <p:txBody>
-          <a:bodyPr/>
-          <a:lstStyle/>
-          <a:p>
-            <a:endParaRPr lang="en-US"/>
-          </a:p>
-        </p:txBody>
-      </p:sp>
-      <p:sp>
-        <p:nvSpPr>
-          <p:cNvPr id="3" name="Zástupný symbol pro obsah 2"/>
-          <p:cNvSpPr>
-            <a:spLocks noGrp="1"/>
-          </p:cNvSpPr>
-          <p:nvPr>
-            <p:ph sz="half" idx="2"/>
-          </p:nvPr>
-        </p:nvSpPr>
-        <p:spPr>
-          <a:xfrm>
-            <a:off x="609600" y="2174875"/>
-            <a:ext cx="5386917" cy="3951288"/>
+            <a:off x="609600" y="1628800"/>
+            <a:ext cx="5386917" cy="4497363"/>
           </a:xfrm>
         </p:spPr>
         <p:txBody>
@@ -4198,66 +4203,36 @@
           <a:lstStyle/>
           <a:p>
             <a:r>
-              <a:rPr lang="cs-CZ" altLang="cs-CZ"/>
+              <a:rPr lang="cs-CZ" altLang="cs-CZ" dirty="0"/>
               <a:t>Artikulační body </a:t>
             </a:r>
           </a:p>
           <a:p>
             <a:pPr lvl="1"/>
             <a:r>
-              <a:rPr lang="cs-CZ" altLang="cs-CZ" sz="2400"/>
-              <a:t>takový vrchol, který při odstranění způsobí, že graf přestane být souvislý</a:t>
+              <a:rPr lang="cs-CZ" altLang="cs-CZ" sz="2400" dirty="0"/>
+              <a:t>vrchol, který při odstranění způsobí, že graf přestane být souvislý</a:t>
             </a:r>
           </a:p>
           <a:p>
             <a:pPr lvl="1"/>
-            <a:endParaRPr lang="cs-CZ" altLang="cs-CZ" sz="2400"/>
-          </a:p>
-          <a:p>
-            <a:endParaRPr lang="cs-CZ" altLang="cs-CZ"/>
-          </a:p>
-          <a:p>
-            <a:r>
-              <a:rPr lang="cs-CZ" altLang="cs-CZ"/>
+            <a:endParaRPr lang="cs-CZ" altLang="cs-CZ" sz="2400" dirty="0"/>
+          </a:p>
+          <a:p>
+            <a:endParaRPr lang="cs-CZ" altLang="cs-CZ" dirty="0"/>
+          </a:p>
+          <a:p>
+            <a:r>
+              <a:rPr lang="cs-CZ" altLang="cs-CZ" dirty="0"/>
               <a:t>Mosty</a:t>
             </a:r>
           </a:p>
           <a:p>
             <a:pPr lvl="1"/>
             <a:r>
-              <a:rPr lang="cs-CZ" sz="2400"/>
+              <a:rPr lang="cs-CZ" sz="2400" dirty="0"/>
               <a:t>hrana, která při odstranění rozdělí graf na více komponent</a:t>
             </a:r>
-          </a:p>
-        </p:txBody>
-      </p:sp>
-      <p:sp>
-        <p:nvSpPr>
-          <p:cNvPr id="1033" name="Text Placeholder 3">
-            <a:extLst>
-              <a:ext uri="{FF2B5EF4-FFF2-40B4-BE49-F238E27FC236}">
-                <a16:creationId xmlns:a16="http://schemas.microsoft.com/office/drawing/2014/main" id="{2A8C637D-5196-5BF5-B4E9-564BF369EF5D}"/>
-              </a:ext>
-            </a:extLst>
-          </p:cNvPr>
-          <p:cNvSpPr>
-            <a:spLocks noGrp="1"/>
-          </p:cNvSpPr>
-          <p:nvPr>
-            <p:ph type="body" sz="quarter" idx="3"/>
-          </p:nvPr>
-        </p:nvSpPr>
-        <p:spPr>
-          <a:xfrm>
-            <a:off x="6193368" y="1535113"/>
-            <a:ext cx="5389033" cy="639762"/>
-          </a:xfrm>
-        </p:spPr>
-        <p:txBody>
-          <a:bodyPr/>
-          <a:lstStyle/>
-          <a:p>
-            <a:endParaRPr lang="en-US"/>
           </a:p>
         </p:txBody>
       </p:sp>
@@ -4297,15 +4272,6 @@
           <a:solidFill>
             <a:srgbClr val="FFFFFF"/>
           </a:solidFill>
-          <a:extLst>
-            <a:ext uri="{909E8E84-426E-40DD-AFC4-6F175D3DCCD1}">
-              <a14:hiddenFill xmlns:a14="http://schemas.microsoft.com/office/drawing/2010/main">
-                <a:solidFill>
-                  <a:srgbClr val="FFFFFF"/>
-                </a:solidFill>
-              </a14:hiddenFill>
-            </a:ext>
-          </a:extLst>
         </p:spPr>
       </p:pic>
       <p:sp>
@@ -4410,6 +4376,84 @@
               <a:rPr lang="cs-CZ" dirty="0"/>
               <a:t>Význam</a:t>
             </a:r>
+          </a:p>
+        </p:txBody>
+      </p:sp>
+      <p:sp>
+        <p:nvSpPr>
+          <p:cNvPr id="6" name="Obdélník 5">
+            <a:extLst>
+              <a:ext uri="{FF2B5EF4-FFF2-40B4-BE49-F238E27FC236}">
+                <a16:creationId xmlns:a16="http://schemas.microsoft.com/office/drawing/2014/main" id="{526BB43B-2A94-6D5B-C876-28AA60D835C5}"/>
+              </a:ext>
+            </a:extLst>
+          </p:cNvPr>
+          <p:cNvSpPr/>
+          <p:nvPr/>
+        </p:nvSpPr>
+        <p:spPr bwMode="auto">
+          <a:xfrm>
+            <a:off x="10272464" y="2348880"/>
+            <a:ext cx="1726920" cy="864096"/>
+          </a:xfrm>
+          <a:prstGeom prst="rect">
+            <a:avLst/>
+          </a:prstGeom>
+          <a:solidFill>
+            <a:schemeClr val="bg1"/>
+          </a:solidFill>
+          <a:ln w="28575" cap="flat" cmpd="sng" algn="ctr">
+            <a:solidFill>
+              <a:schemeClr val="bg1"/>
+            </a:solidFill>
+            <a:prstDash val="solid"/>
+            <a:round/>
+            <a:headEnd type="none" w="med" len="med"/>
+            <a:tailEnd type="none" w="med" len="med"/>
+          </a:ln>
+          <a:effectLst/>
+        </p:spPr>
+        <p:txBody>
+          <a:bodyPr vert="horz" wrap="square" lIns="91440" tIns="45720" rIns="91440" bIns="45720" numCol="1" rtlCol="0" anchor="ctr" anchorCtr="0" compatLnSpc="1">
+            <a:prstTxWarp prst="textNoShape">
+              <a:avLst/>
+            </a:prstTxWarp>
+          </a:bodyPr>
+          <a:lstStyle/>
+          <a:p>
+            <a:pPr marR="0" algn="ctr" defTabSz="914400" rtl="0" eaLnBrk="1" fontAlgn="base" latinLnBrk="0" hangingPunct="1">
+              <a:lnSpc>
+                <a:spcPct val="100000"/>
+              </a:lnSpc>
+              <a:spcBef>
+                <a:spcPct val="20000"/>
+              </a:spcBef>
+              <a:spcAft>
+                <a:spcPct val="0"/>
+              </a:spcAft>
+              <a:buClrTx/>
+              <a:buSzTx/>
+              <a:buNone/>
+              <a:tabLst/>
+            </a:pPr>
+            <a:endParaRPr kumimoji="0" lang="cs-CZ" sz="2400" b="0" i="0" u="none" strike="noStrike" cap="none" normalizeH="0" baseline="0" dirty="0" err="1">
+              <a:ln>
+                <a:solidFill>
+                  <a:schemeClr val="accent6">
+                    <a:lumMod val="50000"/>
+                  </a:schemeClr>
+                </a:solidFill>
+              </a:ln>
+              <a:solidFill>
+                <a:schemeClr val="accent6">
+                  <a:lumMod val="50000"/>
+                </a:schemeClr>
+              </a:solidFill>
+              <a:effectLst/>
+              <a:latin typeface="Calibri" panose="020F0502020204030204" pitchFamily="34" charset="0"/>
+              <a:ea typeface="Calibri" panose="020F0502020204030204" pitchFamily="34" charset="0"/>
+              <a:cs typeface="Calibri" panose="020F0502020204030204" pitchFamily="34" charset="0"/>
+            </a:endParaRPr>
           </a:p>
         </p:txBody>
       </p:sp>
@@ -4472,7 +4516,7 @@
           <a:p>
             <a:r>
               <a:rPr lang="cs-CZ" dirty="0"/>
-              <a:t>Kritické části</a:t>
+              <a:t>Praktické použití</a:t>
             </a:r>
           </a:p>
         </p:txBody>
@@ -4509,7 +4553,7 @@
           <a:p>
             <a:r>
               <a:rPr lang="cs-CZ" dirty="0"/>
-              <a:t>V dopravě mohou artikulační body představovat klíčové uzly, u kterých by jejich uzavření by narušilo propojení mezi regiony</a:t>
+              <a:t>V dopravě mohou artikulační body představovat klíčové uzly, u kterých by jejich uzavření by narušilo propojení mezi regiony.</a:t>
             </a:r>
           </a:p>
         </p:txBody>
@@ -4575,6 +4619,53 @@
           </a:p>
         </p:txBody>
       </p:sp>
+      <p:pic>
+        <p:nvPicPr>
+          <p:cNvPr id="2050" name="Picture 2" descr="1: (a) An undirected connected graph G, with articulation points and... |  Download Scientific Diagram">
+            <a:extLst>
+              <a:ext uri="{FF2B5EF4-FFF2-40B4-BE49-F238E27FC236}">
+                <a16:creationId xmlns:a16="http://schemas.microsoft.com/office/drawing/2014/main" id="{F35C01FD-DA04-D7AC-69C6-F97D3B5419A3}"/>
+              </a:ext>
+            </a:extLst>
+          </p:cNvPr>
+          <p:cNvPicPr>
+            <a:picLocks noChangeAspect="1" noChangeArrowheads="1"/>
+          </p:cNvPicPr>
+          <p:nvPr/>
+        </p:nvPicPr>
+        <p:blipFill>
+          <a:blip r:embed="rId3">
+            <a:extLst>
+              <a:ext uri="{28A0092B-C50C-407E-A947-70E740481C1C}">
+                <a14:useLocalDpi xmlns:a14="http://schemas.microsoft.com/office/drawing/2010/main" val="0"/>
+              </a:ext>
+            </a:extLst>
+          </a:blip>
+          <a:srcRect/>
+          <a:stretch>
+            <a:fillRect/>
+          </a:stretch>
+        </p:blipFill>
+        <p:spPr bwMode="auto">
+          <a:xfrm>
+            <a:off x="3575720" y="3253114"/>
+            <a:ext cx="4771040" cy="2851398"/>
+          </a:xfrm>
+          <a:prstGeom prst="rect">
+            <a:avLst/>
+          </a:prstGeom>
+          <a:noFill/>
+          <a:extLst>
+            <a:ext uri="{909E8E84-426E-40DD-AFC4-6F175D3DCCD1}">
+              <a14:hiddenFill xmlns:a14="http://schemas.microsoft.com/office/drawing/2010/main">
+                <a:solidFill>
+                  <a:srgbClr val="FFFFFF"/>
+                </a:solidFill>
+              </a14:hiddenFill>
+            </a:ext>
+          </a:extLst>
+        </p:spPr>
+      </p:pic>
     </p:spTree>
     <p:extLst>
       <p:ext uri="{BB962C8B-B14F-4D97-AF65-F5344CB8AC3E}">
@@ -4666,14 +4757,55 @@
             </a:r>
             <a:r>
               <a:rPr lang="cs-CZ" altLang="cs-CZ" sz="2800" dirty="0"/>
-              <a:t> algoritmus pro hledání artikulačních bodů  1972</a:t>
-            </a:r>
+              <a:t> algoritmus </a:t>
+            </a:r>
+            <a:r>
+              <a:rPr lang="en-US" altLang="cs-CZ" sz="2800" dirty="0"/>
+              <a:t>(</a:t>
+            </a:r>
+            <a:r>
+              <a:rPr lang="cs-CZ" altLang="cs-CZ" sz="2800" dirty="0"/>
+              <a:t>1972</a:t>
+            </a:r>
+            <a:r>
+              <a:rPr lang="en-US" altLang="cs-CZ" sz="2800" dirty="0"/>
+              <a:t>)</a:t>
+            </a:r>
+            <a:endParaRPr lang="cs-CZ" altLang="cs-CZ" sz="2800" dirty="0"/>
           </a:p>
           <a:p>
             <a:r>
               <a:rPr lang="cs-CZ" sz="2800" dirty="0"/>
               <a:t>Založen na DFS</a:t>
             </a:r>
+          </a:p>
+          <a:p>
+            <a:r>
+              <a:rPr lang="cs-CZ" sz="2800" dirty="0"/>
+              <a:t> Algoritmus identifikuje tyto prvky pomocí konceptů doby objevení, minimálního dosažitelného času a počtu nezávislých dětí.</a:t>
+            </a:r>
+          </a:p>
+          <a:p>
+            <a:r>
+              <a:rPr lang="cs-CZ" sz="2800" dirty="0"/>
+              <a:t>Složitost </a:t>
+            </a:r>
+            <a:r>
+              <a:rPr lang="en-US" sz="2800" dirty="0"/>
+              <a:t>0(</a:t>
+            </a:r>
+            <a:r>
+              <a:rPr lang="cs-CZ" sz="2800" dirty="0"/>
+              <a:t> E + V</a:t>
+            </a:r>
+            <a:r>
+              <a:rPr lang="en-US" sz="2800" dirty="0"/>
+              <a:t>)</a:t>
+            </a:r>
+            <a:endParaRPr lang="cs-CZ" sz="2800" dirty="0"/>
+          </a:p>
+          <a:p>
+            <a:endParaRPr lang="cs-CZ" sz="2800" dirty="0"/>
           </a:p>
           <a:p>
             <a:pPr marL="0" indent="0">
@@ -4744,6 +4876,53 @@
           </a:p>
         </p:txBody>
       </p:sp>
+      <p:pic>
+        <p:nvPicPr>
+          <p:cNvPr id="1026" name="Picture 2" descr="Nepostradatelný most">
+            <a:extLst>
+              <a:ext uri="{FF2B5EF4-FFF2-40B4-BE49-F238E27FC236}">
+                <a16:creationId xmlns:a16="http://schemas.microsoft.com/office/drawing/2014/main" id="{BF3FBA44-D32B-C265-BF6D-6AB6B4E7F59A}"/>
+              </a:ext>
+            </a:extLst>
+          </p:cNvPr>
+          <p:cNvPicPr>
+            <a:picLocks noChangeAspect="1" noChangeArrowheads="1"/>
+          </p:cNvPicPr>
+          <p:nvPr/>
+        </p:nvPicPr>
+        <p:blipFill>
+          <a:blip r:embed="rId3">
+            <a:extLst>
+              <a:ext uri="{28A0092B-C50C-407E-A947-70E740481C1C}">
+                <a14:useLocalDpi xmlns:a14="http://schemas.microsoft.com/office/drawing/2010/main" val="0"/>
+              </a:ext>
+            </a:extLst>
+          </a:blip>
+          <a:srcRect/>
+          <a:stretch>
+            <a:fillRect/>
+          </a:stretch>
+        </p:blipFill>
+        <p:spPr bwMode="auto">
+          <a:xfrm>
+            <a:off x="4281487" y="3861048"/>
+            <a:ext cx="3629025" cy="1714500"/>
+          </a:xfrm>
+          <a:prstGeom prst="rect">
+            <a:avLst/>
+          </a:prstGeom>
+          <a:noFill/>
+          <a:extLst>
+            <a:ext uri="{909E8E84-426E-40DD-AFC4-6F175D3DCCD1}">
+              <a14:hiddenFill xmlns:a14="http://schemas.microsoft.com/office/drawing/2010/main">
+                <a:solidFill>
+                  <a:srgbClr val="FFFFFF"/>
+                </a:solidFill>
+              </a14:hiddenFill>
+            </a:ext>
+          </a:extLst>
+        </p:spPr>
+      </p:pic>
     </p:spTree>
     <p:extLst>
       <p:ext uri="{BB962C8B-B14F-4D97-AF65-F5344CB8AC3E}">
@@ -4801,7 +4980,10 @@
           <a:bodyPr/>
           <a:lstStyle/>
           <a:p>
-            <a:endParaRPr lang="cs-CZ" dirty="0"/>
+            <a:r>
+              <a:rPr lang="cs-CZ" dirty="0"/>
+              <a:t>Příklad</a:t>
+            </a:r>
           </a:p>
         </p:txBody>
       </p:sp>
@@ -4827,8 +5009,25 @@
           <a:lstStyle/>
           <a:p>
             <a:r>
+              <a:rPr lang="cs-CZ" sz="2400" dirty="0"/>
+              <a:t>Webová aplikace </a:t>
+            </a:r>
+          </a:p>
+          <a:p>
+            <a:r>
+              <a:rPr lang="cs-CZ" sz="2400" dirty="0"/>
+              <a:t>Založená na cytoscape.js</a:t>
+            </a:r>
+          </a:p>
+          <a:p>
+            <a:endParaRPr lang="cs-CZ" dirty="0">
+              <a:hlinkClick r:id="rId3" action="ppaction://hlinkfile"/>
+            </a:endParaRPr>
+          </a:p>
+          <a:p>
+            <a:r>
               <a:rPr lang="cs-CZ" dirty="0">
-                <a:hlinkClick r:id="rId3"/>
+                <a:hlinkClick r:id="rId3" action="ppaction://hlinkfile"/>
               </a:rPr>
               <a:t>index</a:t>
             </a:r>
@@ -4897,6 +5096,36 @@
           </a:p>
         </p:txBody>
       </p:sp>
+      <p:pic>
+        <p:nvPicPr>
+          <p:cNvPr id="8" name="Obrázek 7">
+            <a:extLst>
+              <a:ext uri="{FF2B5EF4-FFF2-40B4-BE49-F238E27FC236}">
+                <a16:creationId xmlns:a16="http://schemas.microsoft.com/office/drawing/2014/main" id="{DA05A394-A1E1-09CF-76C8-E51BDDD35BC0}"/>
+              </a:ext>
+            </a:extLst>
+          </p:cNvPr>
+          <p:cNvPicPr>
+            <a:picLocks noChangeAspect="1"/>
+          </p:cNvPicPr>
+          <p:nvPr/>
+        </p:nvPicPr>
+        <p:blipFill>
+          <a:blip r:embed="rId4"/>
+          <a:stretch>
+            <a:fillRect/>
+          </a:stretch>
+        </p:blipFill>
+        <p:spPr>
+          <a:xfrm>
+            <a:off x="2733568" y="1844824"/>
+            <a:ext cx="8163031" cy="3877227"/>
+          </a:xfrm>
+          <a:prstGeom prst="rect">
+            <a:avLst/>
+          </a:prstGeom>
+        </p:spPr>
+      </p:pic>
     </p:spTree>
     <p:extLst>
       <p:ext uri="{BB962C8B-B14F-4D97-AF65-F5344CB8AC3E}">
@@ -5016,6 +5245,199 @@
           </a:p>
         </p:txBody>
       </p:sp>
+      <p:pic>
+        <p:nvPicPr>
+          <p:cNvPr id="3" name="Picture 2" descr="Articulation Points (or Cut Vertices) in a Graph - GeeksforGeeks">
+            <a:extLst>
+              <a:ext uri="{FF2B5EF4-FFF2-40B4-BE49-F238E27FC236}">
+                <a16:creationId xmlns:a16="http://schemas.microsoft.com/office/drawing/2014/main" id="{9DD90331-68B2-3A6C-2846-6DB073794819}"/>
+              </a:ext>
+            </a:extLst>
+          </p:cNvPr>
+          <p:cNvPicPr>
+            <a:picLocks noChangeAspect="1" noChangeArrowheads="1"/>
+          </p:cNvPicPr>
+          <p:nvPr/>
+        </p:nvPicPr>
+        <p:blipFill>
+          <a:blip r:embed="rId2">
+            <a:extLst>
+              <a:ext uri="{28A0092B-C50C-407E-A947-70E740481C1C}">
+                <a14:useLocalDpi xmlns:a14="http://schemas.microsoft.com/office/drawing/2010/main" val="0"/>
+              </a:ext>
+            </a:extLst>
+          </a:blip>
+          <a:srcRect l="1087" r="24582" b="-1"/>
+          <a:stretch/>
+        </p:blipFill>
+        <p:spPr bwMode="auto">
+          <a:xfrm>
+            <a:off x="6896" y="2037332"/>
+            <a:ext cx="5389033" cy="3951288"/>
+          </a:xfrm>
+          <a:prstGeom prst="rect">
+            <a:avLst/>
+          </a:prstGeom>
+          <a:solidFill>
+            <a:srgbClr val="FFFFFF"/>
+          </a:solidFill>
+        </p:spPr>
+      </p:pic>
+      <p:sp>
+        <p:nvSpPr>
+          <p:cNvPr id="7" name="Obdélník 6">
+            <a:extLst>
+              <a:ext uri="{FF2B5EF4-FFF2-40B4-BE49-F238E27FC236}">
+                <a16:creationId xmlns:a16="http://schemas.microsoft.com/office/drawing/2014/main" id="{DA351209-C491-24B0-E413-EA18A3836C0E}"/>
+              </a:ext>
+            </a:extLst>
+          </p:cNvPr>
+          <p:cNvSpPr/>
+          <p:nvPr/>
+        </p:nvSpPr>
+        <p:spPr bwMode="auto">
+          <a:xfrm>
+            <a:off x="4727847" y="1628800"/>
+            <a:ext cx="1700329" cy="864096"/>
+          </a:xfrm>
+          <a:prstGeom prst="rect">
+            <a:avLst/>
+          </a:prstGeom>
+          <a:solidFill>
+            <a:schemeClr val="bg1"/>
+          </a:solidFill>
+          <a:ln w="28575" cap="flat" cmpd="sng" algn="ctr">
+            <a:solidFill>
+              <a:schemeClr val="bg1"/>
+            </a:solidFill>
+            <a:prstDash val="solid"/>
+            <a:round/>
+            <a:headEnd type="none" w="med" len="med"/>
+            <a:tailEnd type="none" w="med" len="med"/>
+          </a:ln>
+          <a:effectLst/>
+        </p:spPr>
+        <p:txBody>
+          <a:bodyPr vert="horz" wrap="square" lIns="91440" tIns="45720" rIns="91440" bIns="45720" numCol="1" rtlCol="0" anchor="ctr" anchorCtr="0" compatLnSpc="1">
+            <a:prstTxWarp prst="textNoShape">
+              <a:avLst/>
+            </a:prstTxWarp>
+          </a:bodyPr>
+          <a:lstStyle/>
+          <a:p>
+            <a:pPr marR="0" algn="ctr" defTabSz="914400" rtl="0" eaLnBrk="1" fontAlgn="base" latinLnBrk="0" hangingPunct="1">
+              <a:lnSpc>
+                <a:spcPct val="100000"/>
+              </a:lnSpc>
+              <a:spcBef>
+                <a:spcPct val="20000"/>
+              </a:spcBef>
+              <a:spcAft>
+                <a:spcPct val="0"/>
+              </a:spcAft>
+              <a:buClrTx/>
+              <a:buSzTx/>
+              <a:buNone/>
+              <a:tabLst/>
+            </a:pPr>
+            <a:endParaRPr kumimoji="0" lang="cs-CZ" sz="2400" b="0" i="0" u="none" strike="noStrike" cap="none" normalizeH="0" baseline="0" dirty="0" err="1">
+              <a:ln>
+                <a:solidFill>
+                  <a:schemeClr val="accent6">
+                    <a:lumMod val="50000"/>
+                  </a:schemeClr>
+                </a:solidFill>
+              </a:ln>
+              <a:solidFill>
+                <a:schemeClr val="accent6">
+                  <a:lumMod val="50000"/>
+                </a:schemeClr>
+              </a:solidFill>
+              <a:effectLst/>
+              <a:latin typeface="Calibri" panose="020F0502020204030204" pitchFamily="34" charset="0"/>
+              <a:ea typeface="Calibri" panose="020F0502020204030204" pitchFamily="34" charset="0"/>
+              <a:cs typeface="Calibri" panose="020F0502020204030204" pitchFamily="34" charset="0"/>
+            </a:endParaRPr>
+          </a:p>
+        </p:txBody>
+      </p:sp>
+      <p:pic>
+        <p:nvPicPr>
+          <p:cNvPr id="8" name="Picture 2" descr="1: (a) An undirected connected graph G, with articulation points and... |  Download Scientific Diagram">
+            <a:extLst>
+              <a:ext uri="{FF2B5EF4-FFF2-40B4-BE49-F238E27FC236}">
+                <a16:creationId xmlns:a16="http://schemas.microsoft.com/office/drawing/2014/main" id="{43939AC5-9D3D-F2C9-6E7D-9DEA9D199B70}"/>
+              </a:ext>
+            </a:extLst>
+          </p:cNvPr>
+          <p:cNvPicPr>
+            <a:picLocks noChangeAspect="1" noChangeArrowheads="1"/>
+          </p:cNvPicPr>
+          <p:nvPr/>
+        </p:nvPicPr>
+        <p:blipFill>
+          <a:blip r:embed="rId3">
+            <a:extLst>
+              <a:ext uri="{28A0092B-C50C-407E-A947-70E740481C1C}">
+                <a14:useLocalDpi xmlns:a14="http://schemas.microsoft.com/office/drawing/2010/main" val="0"/>
+              </a:ext>
+            </a:extLst>
+          </a:blip>
+          <a:srcRect/>
+          <a:stretch>
+            <a:fillRect/>
+          </a:stretch>
+        </p:blipFill>
+        <p:spPr bwMode="auto">
+          <a:xfrm>
+            <a:off x="6960096" y="3275311"/>
+            <a:ext cx="4608512" cy="2754264"/>
+          </a:xfrm>
+          <a:prstGeom prst="rect">
+            <a:avLst/>
+          </a:prstGeom>
+          <a:noFill/>
+          <a:extLst>
+            <a:ext uri="{909E8E84-426E-40DD-AFC4-6F175D3DCCD1}">
+              <a14:hiddenFill xmlns:a14="http://schemas.microsoft.com/office/drawing/2010/main">
+                <a:solidFill>
+                  <a:srgbClr val="FFFFFF"/>
+                </a:solidFill>
+              </a14:hiddenFill>
+            </a:ext>
+          </a:extLst>
+        </p:spPr>
+      </p:pic>
+      <p:pic>
+        <p:nvPicPr>
+          <p:cNvPr id="6" name="Obrázek 5">
+            <a:extLst>
+              <a:ext uri="{FF2B5EF4-FFF2-40B4-BE49-F238E27FC236}">
+                <a16:creationId xmlns:a16="http://schemas.microsoft.com/office/drawing/2014/main" id="{8426C1FE-67D5-4C01-43D8-8EF5052B72BC}"/>
+              </a:ext>
+            </a:extLst>
+          </p:cNvPr>
+          <p:cNvPicPr>
+            <a:picLocks noChangeAspect="1"/>
+          </p:cNvPicPr>
+          <p:nvPr/>
+        </p:nvPicPr>
+        <p:blipFill>
+          <a:blip r:embed="rId4"/>
+          <a:stretch>
+            <a:fillRect/>
+          </a:stretch>
+        </p:blipFill>
+        <p:spPr>
+          <a:xfrm>
+            <a:off x="4151784" y="794269"/>
+            <a:ext cx="4868778" cy="2312543"/>
+          </a:xfrm>
+          <a:prstGeom prst="rect">
+            <a:avLst/>
+          </a:prstGeom>
+        </p:spPr>
+      </p:pic>
     </p:spTree>
     <p:extLst>
       <p:ext uri="{BB962C8B-B14F-4D97-AF65-F5344CB8AC3E}">
